--- a/공통pjt/캐릭터 디자인.pptx
+++ b/공통pjt/캐릭터 디자인.pptx
@@ -256,7 +256,7 @@
           <a:p>
             <a:fld id="{ED53A600-48FD-4B9F-BC53-15E9BD773003}" type="datetimeFigureOut">
               <a:rPr lang="ko-KR" altLang="en-US" smtClean="0"/>
-              <a:t>2021-08-14</a:t>
+              <a:t>2021-08-16</a:t>
             </a:fld>
             <a:endParaRPr lang="ko-KR" altLang="en-US"/>
           </a:p>
@@ -426,7 +426,7 @@
           <a:p>
             <a:fld id="{ED53A600-48FD-4B9F-BC53-15E9BD773003}" type="datetimeFigureOut">
               <a:rPr lang="ko-KR" altLang="en-US" smtClean="0"/>
-              <a:t>2021-08-14</a:t>
+              <a:t>2021-08-16</a:t>
             </a:fld>
             <a:endParaRPr lang="ko-KR" altLang="en-US"/>
           </a:p>
@@ -606,7 +606,7 @@
           <a:p>
             <a:fld id="{ED53A600-48FD-4B9F-BC53-15E9BD773003}" type="datetimeFigureOut">
               <a:rPr lang="ko-KR" altLang="en-US" smtClean="0"/>
-              <a:t>2021-08-14</a:t>
+              <a:t>2021-08-16</a:t>
             </a:fld>
             <a:endParaRPr lang="ko-KR" altLang="en-US"/>
           </a:p>
@@ -776,7 +776,7 @@
           <a:p>
             <a:fld id="{ED53A600-48FD-4B9F-BC53-15E9BD773003}" type="datetimeFigureOut">
               <a:rPr lang="ko-KR" altLang="en-US" smtClean="0"/>
-              <a:t>2021-08-14</a:t>
+              <a:t>2021-08-16</a:t>
             </a:fld>
             <a:endParaRPr lang="ko-KR" altLang="en-US"/>
           </a:p>
@@ -1022,7 +1022,7 @@
           <a:p>
             <a:fld id="{ED53A600-48FD-4B9F-BC53-15E9BD773003}" type="datetimeFigureOut">
               <a:rPr lang="ko-KR" altLang="en-US" smtClean="0"/>
-              <a:t>2021-08-14</a:t>
+              <a:t>2021-08-16</a:t>
             </a:fld>
             <a:endParaRPr lang="ko-KR" altLang="en-US"/>
           </a:p>
@@ -1254,7 +1254,7 @@
           <a:p>
             <a:fld id="{ED53A600-48FD-4B9F-BC53-15E9BD773003}" type="datetimeFigureOut">
               <a:rPr lang="ko-KR" altLang="en-US" smtClean="0"/>
-              <a:t>2021-08-14</a:t>
+              <a:t>2021-08-16</a:t>
             </a:fld>
             <a:endParaRPr lang="ko-KR" altLang="en-US"/>
           </a:p>
@@ -1621,7 +1621,7 @@
           <a:p>
             <a:fld id="{ED53A600-48FD-4B9F-BC53-15E9BD773003}" type="datetimeFigureOut">
               <a:rPr lang="ko-KR" altLang="en-US" smtClean="0"/>
-              <a:t>2021-08-14</a:t>
+              <a:t>2021-08-16</a:t>
             </a:fld>
             <a:endParaRPr lang="ko-KR" altLang="en-US"/>
           </a:p>
@@ -1739,7 +1739,7 @@
           <a:p>
             <a:fld id="{ED53A600-48FD-4B9F-BC53-15E9BD773003}" type="datetimeFigureOut">
               <a:rPr lang="ko-KR" altLang="en-US" smtClean="0"/>
-              <a:t>2021-08-14</a:t>
+              <a:t>2021-08-16</a:t>
             </a:fld>
             <a:endParaRPr lang="ko-KR" altLang="en-US"/>
           </a:p>
@@ -1834,7 +1834,7 @@
           <a:p>
             <a:fld id="{ED53A600-48FD-4B9F-BC53-15E9BD773003}" type="datetimeFigureOut">
               <a:rPr lang="ko-KR" altLang="en-US" smtClean="0"/>
-              <a:t>2021-08-14</a:t>
+              <a:t>2021-08-16</a:t>
             </a:fld>
             <a:endParaRPr lang="ko-KR" altLang="en-US"/>
           </a:p>
@@ -2111,7 +2111,7 @@
           <a:p>
             <a:fld id="{ED53A600-48FD-4B9F-BC53-15E9BD773003}" type="datetimeFigureOut">
               <a:rPr lang="ko-KR" altLang="en-US" smtClean="0"/>
-              <a:t>2021-08-14</a:t>
+              <a:t>2021-08-16</a:t>
             </a:fld>
             <a:endParaRPr lang="ko-KR" altLang="en-US"/>
           </a:p>
@@ -2364,7 +2364,7 @@
           <a:p>
             <a:fld id="{ED53A600-48FD-4B9F-BC53-15E9BD773003}" type="datetimeFigureOut">
               <a:rPr lang="ko-KR" altLang="en-US" smtClean="0"/>
-              <a:t>2021-08-14</a:t>
+              <a:t>2021-08-16</a:t>
             </a:fld>
             <a:endParaRPr lang="ko-KR" altLang="en-US"/>
           </a:p>
@@ -2577,7 +2577,7 @@
           <a:p>
             <a:fld id="{ED53A600-48FD-4B9F-BC53-15E9BD773003}" type="datetimeFigureOut">
               <a:rPr lang="ko-KR" altLang="en-US" smtClean="0"/>
-              <a:t>2021-08-14</a:t>
+              <a:t>2021-08-16</a:t>
             </a:fld>
             <a:endParaRPr lang="ko-KR" altLang="en-US"/>
           </a:p>
@@ -3366,6 +3366,83 @@
           </a:prstGeom>
         </p:spPr>
       </p:pic>
+      <p:pic>
+        <p:nvPicPr>
+          <p:cNvPr id="13" name="그림 12"/>
+          <p:cNvPicPr>
+            <a:picLocks noChangeAspect="1"/>
+          </p:cNvPicPr>
+          <p:nvPr/>
+        </p:nvPicPr>
+        <p:blipFill>
+          <a:blip r:embed="rId9">
+            <a:extLst>
+              <a:ext uri="{28A0092B-C50C-407E-A947-70E740481C1C}">
+                <a14:useLocalDpi xmlns:a14="http://schemas.microsoft.com/office/drawing/2010/main" val="0"/>
+              </a:ext>
+            </a:extLst>
+          </a:blip>
+          <a:stretch>
+            <a:fillRect/>
+          </a:stretch>
+        </p:blipFill>
+        <p:spPr>
+          <a:xfrm>
+            <a:off x="2611552" y="1408246"/>
+            <a:ext cx="214970" cy="214970"/>
+          </a:xfrm>
+          <a:prstGeom prst="rect">
+            <a:avLst/>
+          </a:prstGeom>
+        </p:spPr>
+      </p:pic>
+      <p:pic>
+        <p:nvPicPr>
+          <p:cNvPr id="16" name="그림 15"/>
+          <p:cNvPicPr>
+            <a:picLocks noChangeAspect="1"/>
+          </p:cNvPicPr>
+          <p:nvPr/>
+        </p:nvPicPr>
+        <p:blipFill>
+          <a:blip r:embed="rId10" cstate="print">
+            <a:extLst>
+              <a:ext uri="{BEBA8EAE-BF5A-486C-A8C5-ECC9F3942E4B}">
+                <a14:imgProps xmlns:a14="http://schemas.microsoft.com/office/drawing/2010/main">
+                  <a14:imgLayer r:embed="rId11">
+                    <a14:imgEffect>
+                      <a14:artisticLineDrawing/>
+                    </a14:imgEffect>
+                  </a14:imgLayer>
+                </a14:imgProps>
+              </a:ext>
+              <a:ext uri="{28A0092B-C50C-407E-A947-70E740481C1C}">
+                <a14:useLocalDpi xmlns:a14="http://schemas.microsoft.com/office/drawing/2010/main" val="0"/>
+              </a:ext>
+            </a:extLst>
+          </a:blip>
+          <a:stretch>
+            <a:fillRect/>
+          </a:stretch>
+        </p:blipFill>
+        <p:spPr>
+          <a:xfrm>
+            <a:off x="2393452" y="1408246"/>
+            <a:ext cx="217057" cy="214970"/>
+          </a:xfrm>
+          <a:prstGeom prst="rect">
+            <a:avLst/>
+          </a:prstGeom>
+          <a:ln>
+            <a:noFill/>
+          </a:ln>
+          <a:effectLst>
+            <a:outerShdw blurRad="107950" dist="12700" dir="5400000" algn="ctr">
+              <a:srgbClr val="000000"/>
+            </a:outerShdw>
+          </a:effectLst>
+        </p:spPr>
+      </p:pic>
     </p:spTree>
     <p:extLst>
       <p:ext uri="{BB962C8B-B14F-4D97-AF65-F5344CB8AC3E}">
